--- a/Documentation/Project Management/sjabloon affiche project experience - v2.pptx
+++ b/Documentation/Project Management/sjabloon affiche project experience - v2.pptx
@@ -63,8 +63,8 @@
         </p:nvSpPr>
         <p:spPr>
           <a:xfrm>
-            <a:off x="1908360" y="4038840"/>
-            <a:ext cx="26999640" cy="3365280"/>
+            <a:off x="1540800" y="1717920"/>
+            <a:ext cx="27734400" cy="7189920"/>
           </a:xfrm>
           <a:prstGeom prst="rect">
             <a:avLst/>
@@ -79,14 +79,14 @@
             <a:noAutofit/>
           </a:bodyPr>
           <a:p>
-            <a:pPr indent="0">
+            <a:pPr indent="0" algn="ctr">
               <a:buNone/>
             </a:pPr>
-            <a:endParaRPr b="0" lang="en-US" sz="1800" spc="-1" strike="noStrike">
-              <a:solidFill>
-                <a:srgbClr val="000000"/>
-              </a:solidFill>
-              <a:latin typeface="Calibri"/>
+            <a:endParaRPr b="0" lang="en-GB" sz="4400" spc="-1" strike="noStrike">
+              <a:solidFill>
+                <a:srgbClr val="000000"/>
+              </a:solidFill>
+              <a:latin typeface="Arial"/>
             </a:endParaRPr>
           </a:p>
         </p:txBody>
@@ -103,8 +103,8 @@
         </p:nvSpPr>
         <p:spPr>
           <a:xfrm>
-            <a:off x="1908360" y="7404120"/>
-            <a:ext cx="26578800" cy="599400"/>
+            <a:off x="1540800" y="10074960"/>
+            <a:ext cx="27734400" cy="11911680"/>
           </a:xfrm>
           <a:prstGeom prst="rect">
             <a:avLst/>
@@ -120,19 +120,16 @@
           </a:bodyPr>
           <a:p>
             <a:pPr indent="0">
-              <a:lnSpc>
-                <a:spcPct val="90000"/>
-              </a:lnSpc>
               <a:spcBef>
                 <a:spcPts val="1417"/>
               </a:spcBef>
               <a:buNone/>
             </a:pPr>
-            <a:endParaRPr b="0" lang="en-US" sz="4000" spc="-1" strike="noStrike">
-              <a:solidFill>
-                <a:srgbClr val="000000"/>
-              </a:solidFill>
-              <a:latin typeface="Segoe UI"/>
+            <a:endParaRPr b="0" lang="en-GB" sz="3200" spc="-1" strike="noStrike">
+              <a:solidFill>
+                <a:srgbClr val="000000"/>
+              </a:solidFill>
+              <a:latin typeface="Arial"/>
             </a:endParaRPr>
           </a:p>
         </p:txBody>
@@ -149,8 +146,8 @@
         </p:nvSpPr>
         <p:spPr>
           <a:xfrm>
-            <a:off x="1908360" y="8060760"/>
-            <a:ext cx="26578800" cy="599400"/>
+            <a:off x="1540800" y="23118480"/>
+            <a:ext cx="27734400" cy="11911680"/>
           </a:xfrm>
           <a:prstGeom prst="rect">
             <a:avLst/>
@@ -166,19 +163,16 @@
           </a:bodyPr>
           <a:p>
             <a:pPr indent="0">
-              <a:lnSpc>
-                <a:spcPct val="90000"/>
-              </a:lnSpc>
               <a:spcBef>
                 <a:spcPts val="1417"/>
               </a:spcBef>
               <a:buNone/>
             </a:pPr>
-            <a:endParaRPr b="0" lang="en-US" sz="4000" spc="-1" strike="noStrike">
-              <a:solidFill>
-                <a:srgbClr val="000000"/>
-              </a:solidFill>
-              <a:latin typeface="Segoe UI"/>
+            <a:endParaRPr b="0" lang="en-GB" sz="3200" spc="-1" strike="noStrike">
+              <a:solidFill>
+                <a:srgbClr val="000000"/>
+              </a:solidFill>
+              <a:latin typeface="Arial"/>
             </a:endParaRPr>
           </a:p>
         </p:txBody>
@@ -217,8 +211,8 @@
         </p:nvSpPr>
         <p:spPr>
           <a:xfrm>
-            <a:off x="1908360" y="4038840"/>
-            <a:ext cx="26999640" cy="3365280"/>
+            <a:off x="1540800" y="1717920"/>
+            <a:ext cx="27734400" cy="7189920"/>
           </a:xfrm>
           <a:prstGeom prst="rect">
             <a:avLst/>
@@ -233,14 +227,14 @@
             <a:noAutofit/>
           </a:bodyPr>
           <a:p>
-            <a:pPr indent="0">
+            <a:pPr indent="0" algn="ctr">
               <a:buNone/>
             </a:pPr>
-            <a:endParaRPr b="0" lang="en-US" sz="1800" spc="-1" strike="noStrike">
-              <a:solidFill>
-                <a:srgbClr val="000000"/>
-              </a:solidFill>
-              <a:latin typeface="Calibri"/>
+            <a:endParaRPr b="0" lang="en-GB" sz="4400" spc="-1" strike="noStrike">
+              <a:solidFill>
+                <a:srgbClr val="000000"/>
+              </a:solidFill>
+              <a:latin typeface="Arial"/>
             </a:endParaRPr>
           </a:p>
         </p:txBody>
@@ -257,8 +251,8 @@
         </p:nvSpPr>
         <p:spPr>
           <a:xfrm>
-            <a:off x="1908360" y="7404120"/>
-            <a:ext cx="12970440" cy="599400"/>
+            <a:off x="1540800" y="10074960"/>
+            <a:ext cx="13534200" cy="11911680"/>
           </a:xfrm>
           <a:prstGeom prst="rect">
             <a:avLst/>
@@ -274,19 +268,16 @@
           </a:bodyPr>
           <a:p>
             <a:pPr indent="0">
-              <a:lnSpc>
-                <a:spcPct val="90000"/>
-              </a:lnSpc>
               <a:spcBef>
                 <a:spcPts val="1417"/>
               </a:spcBef>
               <a:buNone/>
             </a:pPr>
-            <a:endParaRPr b="0" lang="en-US" sz="4000" spc="-1" strike="noStrike">
-              <a:solidFill>
-                <a:srgbClr val="000000"/>
-              </a:solidFill>
-              <a:latin typeface="Segoe UI"/>
+            <a:endParaRPr b="0" lang="en-GB" sz="3200" spc="-1" strike="noStrike">
+              <a:solidFill>
+                <a:srgbClr val="000000"/>
+              </a:solidFill>
+              <a:latin typeface="Arial"/>
             </a:endParaRPr>
           </a:p>
         </p:txBody>
@@ -303,8 +294,8 @@
         </p:nvSpPr>
         <p:spPr>
           <a:xfrm>
-            <a:off x="15527880" y="7404120"/>
-            <a:ext cx="12970440" cy="599400"/>
+            <a:off x="15752160" y="10074960"/>
+            <a:ext cx="13534200" cy="11911680"/>
           </a:xfrm>
           <a:prstGeom prst="rect">
             <a:avLst/>
@@ -320,19 +311,16 @@
           </a:bodyPr>
           <a:p>
             <a:pPr indent="0">
-              <a:lnSpc>
-                <a:spcPct val="90000"/>
-              </a:lnSpc>
               <a:spcBef>
                 <a:spcPts val="1417"/>
               </a:spcBef>
               <a:buNone/>
             </a:pPr>
-            <a:endParaRPr b="0" lang="en-US" sz="4000" spc="-1" strike="noStrike">
-              <a:solidFill>
-                <a:srgbClr val="000000"/>
-              </a:solidFill>
-              <a:latin typeface="Segoe UI"/>
+            <a:endParaRPr b="0" lang="en-GB" sz="3200" spc="-1" strike="noStrike">
+              <a:solidFill>
+                <a:srgbClr val="000000"/>
+              </a:solidFill>
+              <a:latin typeface="Arial"/>
             </a:endParaRPr>
           </a:p>
         </p:txBody>
@@ -349,8 +337,8 @@
         </p:nvSpPr>
         <p:spPr>
           <a:xfrm>
-            <a:off x="1908360" y="8060760"/>
-            <a:ext cx="12970440" cy="599400"/>
+            <a:off x="1540800" y="23118480"/>
+            <a:ext cx="13534200" cy="11911680"/>
           </a:xfrm>
           <a:prstGeom prst="rect">
             <a:avLst/>
@@ -366,19 +354,16 @@
           </a:bodyPr>
           <a:p>
             <a:pPr indent="0">
-              <a:lnSpc>
-                <a:spcPct val="90000"/>
-              </a:lnSpc>
               <a:spcBef>
                 <a:spcPts val="1417"/>
               </a:spcBef>
               <a:buNone/>
             </a:pPr>
-            <a:endParaRPr b="0" lang="en-US" sz="4000" spc="-1" strike="noStrike">
-              <a:solidFill>
-                <a:srgbClr val="000000"/>
-              </a:solidFill>
-              <a:latin typeface="Segoe UI"/>
+            <a:endParaRPr b="0" lang="en-GB" sz="3200" spc="-1" strike="noStrike">
+              <a:solidFill>
+                <a:srgbClr val="000000"/>
+              </a:solidFill>
+              <a:latin typeface="Arial"/>
             </a:endParaRPr>
           </a:p>
         </p:txBody>
@@ -395,8 +380,8 @@
         </p:nvSpPr>
         <p:spPr>
           <a:xfrm>
-            <a:off x="15527880" y="8060760"/>
-            <a:ext cx="12970440" cy="599400"/>
+            <a:off x="15752160" y="23118480"/>
+            <a:ext cx="13534200" cy="11911680"/>
           </a:xfrm>
           <a:prstGeom prst="rect">
             <a:avLst/>
@@ -412,19 +397,16 @@
           </a:bodyPr>
           <a:p>
             <a:pPr indent="0">
-              <a:lnSpc>
-                <a:spcPct val="90000"/>
-              </a:lnSpc>
               <a:spcBef>
                 <a:spcPts val="1417"/>
               </a:spcBef>
               <a:buNone/>
             </a:pPr>
-            <a:endParaRPr b="0" lang="en-US" sz="4000" spc="-1" strike="noStrike">
-              <a:solidFill>
-                <a:srgbClr val="000000"/>
-              </a:solidFill>
-              <a:latin typeface="Segoe UI"/>
+            <a:endParaRPr b="0" lang="en-GB" sz="3200" spc="-1" strike="noStrike">
+              <a:solidFill>
+                <a:srgbClr val="000000"/>
+              </a:solidFill>
+              <a:latin typeface="Arial"/>
             </a:endParaRPr>
           </a:p>
         </p:txBody>
@@ -463,8 +445,8 @@
         </p:nvSpPr>
         <p:spPr>
           <a:xfrm>
-            <a:off x="1908360" y="4038840"/>
-            <a:ext cx="26999640" cy="3365280"/>
+            <a:off x="1540800" y="1717920"/>
+            <a:ext cx="27734400" cy="7189920"/>
           </a:xfrm>
           <a:prstGeom prst="rect">
             <a:avLst/>
@@ -479,14 +461,14 @@
             <a:noAutofit/>
           </a:bodyPr>
           <a:p>
-            <a:pPr indent="0">
+            <a:pPr indent="0" algn="ctr">
               <a:buNone/>
             </a:pPr>
-            <a:endParaRPr b="0" lang="en-US" sz="1800" spc="-1" strike="noStrike">
-              <a:solidFill>
-                <a:srgbClr val="000000"/>
-              </a:solidFill>
-              <a:latin typeface="Calibri"/>
+            <a:endParaRPr b="0" lang="en-GB" sz="4400" spc="-1" strike="noStrike">
+              <a:solidFill>
+                <a:srgbClr val="000000"/>
+              </a:solidFill>
+              <a:latin typeface="Arial"/>
             </a:endParaRPr>
           </a:p>
         </p:txBody>
@@ -503,8 +485,8 @@
         </p:nvSpPr>
         <p:spPr>
           <a:xfrm>
-            <a:off x="1908360" y="7404120"/>
-            <a:ext cx="8558280" cy="599400"/>
+            <a:off x="1540800" y="10074960"/>
+            <a:ext cx="8930160" cy="11911680"/>
           </a:xfrm>
           <a:prstGeom prst="rect">
             <a:avLst/>
@@ -520,19 +502,16 @@
           </a:bodyPr>
           <a:p>
             <a:pPr indent="0">
-              <a:lnSpc>
-                <a:spcPct val="90000"/>
-              </a:lnSpc>
               <a:spcBef>
                 <a:spcPts val="1417"/>
               </a:spcBef>
               <a:buNone/>
             </a:pPr>
-            <a:endParaRPr b="0" lang="en-US" sz="4000" spc="-1" strike="noStrike">
-              <a:solidFill>
-                <a:srgbClr val="000000"/>
-              </a:solidFill>
-              <a:latin typeface="Segoe UI"/>
+            <a:endParaRPr b="0" lang="en-GB" sz="3200" spc="-1" strike="noStrike">
+              <a:solidFill>
+                <a:srgbClr val="000000"/>
+              </a:solidFill>
+              <a:latin typeface="Arial"/>
             </a:endParaRPr>
           </a:p>
         </p:txBody>
@@ -549,8 +528,8 @@
         </p:nvSpPr>
         <p:spPr>
           <a:xfrm>
-            <a:off x="10895040" y="7404120"/>
-            <a:ext cx="8558280" cy="599400"/>
+            <a:off x="10917720" y="10074960"/>
+            <a:ext cx="8930160" cy="11911680"/>
           </a:xfrm>
           <a:prstGeom prst="rect">
             <a:avLst/>
@@ -566,19 +545,16 @@
           </a:bodyPr>
           <a:p>
             <a:pPr indent="0">
-              <a:lnSpc>
-                <a:spcPct val="90000"/>
-              </a:lnSpc>
               <a:spcBef>
                 <a:spcPts val="1417"/>
               </a:spcBef>
               <a:buNone/>
             </a:pPr>
-            <a:endParaRPr b="0" lang="en-US" sz="4000" spc="-1" strike="noStrike">
-              <a:solidFill>
-                <a:srgbClr val="000000"/>
-              </a:solidFill>
-              <a:latin typeface="Segoe UI"/>
+            <a:endParaRPr b="0" lang="en-GB" sz="3200" spc="-1" strike="noStrike">
+              <a:solidFill>
+                <a:srgbClr val="000000"/>
+              </a:solidFill>
+              <a:latin typeface="Arial"/>
             </a:endParaRPr>
           </a:p>
         </p:txBody>
@@ -595,8 +571,8 @@
         </p:nvSpPr>
         <p:spPr>
           <a:xfrm>
-            <a:off x="19881360" y="7404120"/>
-            <a:ext cx="8558280" cy="599400"/>
+            <a:off x="20295000" y="10074960"/>
+            <a:ext cx="8930160" cy="11911680"/>
           </a:xfrm>
           <a:prstGeom prst="rect">
             <a:avLst/>
@@ -612,19 +588,16 @@
           </a:bodyPr>
           <a:p>
             <a:pPr indent="0">
-              <a:lnSpc>
-                <a:spcPct val="90000"/>
-              </a:lnSpc>
               <a:spcBef>
                 <a:spcPts val="1417"/>
               </a:spcBef>
               <a:buNone/>
             </a:pPr>
-            <a:endParaRPr b="0" lang="en-US" sz="4000" spc="-1" strike="noStrike">
-              <a:solidFill>
-                <a:srgbClr val="000000"/>
-              </a:solidFill>
-              <a:latin typeface="Segoe UI"/>
+            <a:endParaRPr b="0" lang="en-GB" sz="3200" spc="-1" strike="noStrike">
+              <a:solidFill>
+                <a:srgbClr val="000000"/>
+              </a:solidFill>
+              <a:latin typeface="Arial"/>
             </a:endParaRPr>
           </a:p>
         </p:txBody>
@@ -641,8 +614,8 @@
         </p:nvSpPr>
         <p:spPr>
           <a:xfrm>
-            <a:off x="1908360" y="8060760"/>
-            <a:ext cx="8558280" cy="599400"/>
+            <a:off x="1540800" y="23118480"/>
+            <a:ext cx="8930160" cy="11911680"/>
           </a:xfrm>
           <a:prstGeom prst="rect">
             <a:avLst/>
@@ -658,19 +631,16 @@
           </a:bodyPr>
           <a:p>
             <a:pPr indent="0">
-              <a:lnSpc>
-                <a:spcPct val="90000"/>
-              </a:lnSpc>
               <a:spcBef>
                 <a:spcPts val="1417"/>
               </a:spcBef>
               <a:buNone/>
             </a:pPr>
-            <a:endParaRPr b="0" lang="en-US" sz="4000" spc="-1" strike="noStrike">
-              <a:solidFill>
-                <a:srgbClr val="000000"/>
-              </a:solidFill>
-              <a:latin typeface="Segoe UI"/>
+            <a:endParaRPr b="0" lang="en-GB" sz="3200" spc="-1" strike="noStrike">
+              <a:solidFill>
+                <a:srgbClr val="000000"/>
+              </a:solidFill>
+              <a:latin typeface="Arial"/>
             </a:endParaRPr>
           </a:p>
         </p:txBody>
@@ -687,8 +657,8 @@
         </p:nvSpPr>
         <p:spPr>
           <a:xfrm>
-            <a:off x="10895040" y="8060760"/>
-            <a:ext cx="8558280" cy="599400"/>
+            <a:off x="10917720" y="23118480"/>
+            <a:ext cx="8930160" cy="11911680"/>
           </a:xfrm>
           <a:prstGeom prst="rect">
             <a:avLst/>
@@ -704,19 +674,16 @@
           </a:bodyPr>
           <a:p>
             <a:pPr indent="0">
-              <a:lnSpc>
-                <a:spcPct val="90000"/>
-              </a:lnSpc>
               <a:spcBef>
                 <a:spcPts val="1417"/>
               </a:spcBef>
               <a:buNone/>
             </a:pPr>
-            <a:endParaRPr b="0" lang="en-US" sz="4000" spc="-1" strike="noStrike">
-              <a:solidFill>
-                <a:srgbClr val="000000"/>
-              </a:solidFill>
-              <a:latin typeface="Segoe UI"/>
+            <a:endParaRPr b="0" lang="en-GB" sz="3200" spc="-1" strike="noStrike">
+              <a:solidFill>
+                <a:srgbClr val="000000"/>
+              </a:solidFill>
+              <a:latin typeface="Arial"/>
             </a:endParaRPr>
           </a:p>
         </p:txBody>
@@ -733,8 +700,8 @@
         </p:nvSpPr>
         <p:spPr>
           <a:xfrm>
-            <a:off x="19881360" y="8060760"/>
-            <a:ext cx="8558280" cy="599400"/>
+            <a:off x="20295000" y="23118480"/>
+            <a:ext cx="8930160" cy="11911680"/>
           </a:xfrm>
           <a:prstGeom prst="rect">
             <a:avLst/>
@@ -750,19 +717,16 @@
           </a:bodyPr>
           <a:p>
             <a:pPr indent="0">
-              <a:lnSpc>
-                <a:spcPct val="90000"/>
-              </a:lnSpc>
               <a:spcBef>
                 <a:spcPts val="1417"/>
               </a:spcBef>
               <a:buNone/>
             </a:pPr>
-            <a:endParaRPr b="0" lang="en-US" sz="4000" spc="-1" strike="noStrike">
-              <a:solidFill>
-                <a:srgbClr val="000000"/>
-              </a:solidFill>
-              <a:latin typeface="Segoe UI"/>
+            <a:endParaRPr b="0" lang="en-GB" sz="3200" spc="-1" strike="noStrike">
+              <a:solidFill>
+                <a:srgbClr val="000000"/>
+              </a:solidFill>
+              <a:latin typeface="Arial"/>
             </a:endParaRPr>
           </a:p>
         </p:txBody>
@@ -801,8 +765,8 @@
         </p:nvSpPr>
         <p:spPr>
           <a:xfrm>
-            <a:off x="1908360" y="4038840"/>
-            <a:ext cx="26999640" cy="3365280"/>
+            <a:off x="1540800" y="1717920"/>
+            <a:ext cx="27734400" cy="7189920"/>
           </a:xfrm>
           <a:prstGeom prst="rect">
             <a:avLst/>
@@ -817,14 +781,14 @@
             <a:noAutofit/>
           </a:bodyPr>
           <a:p>
-            <a:pPr indent="0">
+            <a:pPr indent="0" algn="ctr">
               <a:buNone/>
             </a:pPr>
-            <a:endParaRPr b="0" lang="en-US" sz="1800" spc="-1" strike="noStrike">
-              <a:solidFill>
-                <a:srgbClr val="000000"/>
-              </a:solidFill>
-              <a:latin typeface="Calibri"/>
+            <a:endParaRPr b="0" lang="en-GB" sz="4400" spc="-1" strike="noStrike">
+              <a:solidFill>
+                <a:srgbClr val="000000"/>
+              </a:solidFill>
+              <a:latin typeface="Arial"/>
             </a:endParaRPr>
           </a:p>
         </p:txBody>
@@ -841,8 +805,8 @@
         </p:nvSpPr>
         <p:spPr>
           <a:xfrm>
-            <a:off x="1908360" y="7404120"/>
-            <a:ext cx="26578800" cy="1257120"/>
+            <a:off x="1540800" y="10074960"/>
+            <a:ext cx="27734400" cy="24972120"/>
           </a:xfrm>
           <a:prstGeom prst="rect">
             <a:avLst/>
@@ -903,8 +867,8 @@
         </p:nvSpPr>
         <p:spPr>
           <a:xfrm>
-            <a:off x="1908360" y="4038840"/>
-            <a:ext cx="26999640" cy="3365280"/>
+            <a:off x="1540800" y="1717920"/>
+            <a:ext cx="27734400" cy="7189920"/>
           </a:xfrm>
           <a:prstGeom prst="rect">
             <a:avLst/>
@@ -919,14 +883,14 @@
             <a:noAutofit/>
           </a:bodyPr>
           <a:p>
-            <a:pPr indent="0">
+            <a:pPr indent="0" algn="ctr">
               <a:buNone/>
             </a:pPr>
-            <a:endParaRPr b="0" lang="en-US" sz="1800" spc="-1" strike="noStrike">
-              <a:solidFill>
-                <a:srgbClr val="000000"/>
-              </a:solidFill>
-              <a:latin typeface="Calibri"/>
+            <a:endParaRPr b="0" lang="en-GB" sz="4400" spc="-1" strike="noStrike">
+              <a:solidFill>
+                <a:srgbClr val="000000"/>
+              </a:solidFill>
+              <a:latin typeface="Arial"/>
             </a:endParaRPr>
           </a:p>
         </p:txBody>
@@ -943,8 +907,8 @@
         </p:nvSpPr>
         <p:spPr>
           <a:xfrm>
-            <a:off x="1908360" y="7404120"/>
-            <a:ext cx="26578800" cy="1257120"/>
+            <a:off x="1540800" y="10074960"/>
+            <a:ext cx="27734400" cy="24972120"/>
           </a:xfrm>
           <a:prstGeom prst="rect">
             <a:avLst/>
@@ -960,19 +924,16 @@
           </a:bodyPr>
           <a:p>
             <a:pPr indent="0">
-              <a:lnSpc>
-                <a:spcPct val="90000"/>
-              </a:lnSpc>
               <a:spcBef>
                 <a:spcPts val="1417"/>
               </a:spcBef>
               <a:buNone/>
             </a:pPr>
-            <a:endParaRPr b="0" lang="en-US" sz="4000" spc="-1" strike="noStrike">
-              <a:solidFill>
-                <a:srgbClr val="000000"/>
-              </a:solidFill>
-              <a:latin typeface="Segoe UI"/>
+            <a:endParaRPr b="0" lang="en-GB" sz="3200" spc="-1" strike="noStrike">
+              <a:solidFill>
+                <a:srgbClr val="000000"/>
+              </a:solidFill>
+              <a:latin typeface="Arial"/>
             </a:endParaRPr>
           </a:p>
         </p:txBody>
@@ -1011,8 +972,8 @@
         </p:nvSpPr>
         <p:spPr>
           <a:xfrm>
-            <a:off x="1908360" y="4038840"/>
-            <a:ext cx="26999640" cy="3365280"/>
+            <a:off x="1540800" y="1717920"/>
+            <a:ext cx="27734400" cy="7189920"/>
           </a:xfrm>
           <a:prstGeom prst="rect">
             <a:avLst/>
@@ -1027,14 +988,14 @@
             <a:noAutofit/>
           </a:bodyPr>
           <a:p>
-            <a:pPr indent="0">
+            <a:pPr indent="0" algn="ctr">
               <a:buNone/>
             </a:pPr>
-            <a:endParaRPr b="0" lang="en-US" sz="1800" spc="-1" strike="noStrike">
-              <a:solidFill>
-                <a:srgbClr val="000000"/>
-              </a:solidFill>
-              <a:latin typeface="Calibri"/>
+            <a:endParaRPr b="0" lang="en-GB" sz="4400" spc="-1" strike="noStrike">
+              <a:solidFill>
+                <a:srgbClr val="000000"/>
+              </a:solidFill>
+              <a:latin typeface="Arial"/>
             </a:endParaRPr>
           </a:p>
         </p:txBody>
@@ -1051,8 +1012,8 @@
         </p:nvSpPr>
         <p:spPr>
           <a:xfrm>
-            <a:off x="1908360" y="7404120"/>
-            <a:ext cx="12970440" cy="1257120"/>
+            <a:off x="1540800" y="10074960"/>
+            <a:ext cx="13534200" cy="24972120"/>
           </a:xfrm>
           <a:prstGeom prst="rect">
             <a:avLst/>
@@ -1068,19 +1029,16 @@
           </a:bodyPr>
           <a:p>
             <a:pPr indent="0">
-              <a:lnSpc>
-                <a:spcPct val="90000"/>
-              </a:lnSpc>
               <a:spcBef>
                 <a:spcPts val="1417"/>
               </a:spcBef>
               <a:buNone/>
             </a:pPr>
-            <a:endParaRPr b="0" lang="en-US" sz="4000" spc="-1" strike="noStrike">
-              <a:solidFill>
-                <a:srgbClr val="000000"/>
-              </a:solidFill>
-              <a:latin typeface="Segoe UI"/>
+            <a:endParaRPr b="0" lang="en-GB" sz="3200" spc="-1" strike="noStrike">
+              <a:solidFill>
+                <a:srgbClr val="000000"/>
+              </a:solidFill>
+              <a:latin typeface="Arial"/>
             </a:endParaRPr>
           </a:p>
         </p:txBody>
@@ -1097,8 +1055,8 @@
         </p:nvSpPr>
         <p:spPr>
           <a:xfrm>
-            <a:off x="15527880" y="7404120"/>
-            <a:ext cx="12970440" cy="1257120"/>
+            <a:off x="15752160" y="10074960"/>
+            <a:ext cx="13534200" cy="24972120"/>
           </a:xfrm>
           <a:prstGeom prst="rect">
             <a:avLst/>
@@ -1114,19 +1072,16 @@
           </a:bodyPr>
           <a:p>
             <a:pPr indent="0">
-              <a:lnSpc>
-                <a:spcPct val="90000"/>
-              </a:lnSpc>
               <a:spcBef>
                 <a:spcPts val="1417"/>
               </a:spcBef>
               <a:buNone/>
             </a:pPr>
-            <a:endParaRPr b="0" lang="en-US" sz="4000" spc="-1" strike="noStrike">
-              <a:solidFill>
-                <a:srgbClr val="000000"/>
-              </a:solidFill>
-              <a:latin typeface="Segoe UI"/>
+            <a:endParaRPr b="0" lang="en-GB" sz="3200" spc="-1" strike="noStrike">
+              <a:solidFill>
+                <a:srgbClr val="000000"/>
+              </a:solidFill>
+              <a:latin typeface="Arial"/>
             </a:endParaRPr>
           </a:p>
         </p:txBody>
@@ -1165,8 +1120,8 @@
         </p:nvSpPr>
         <p:spPr>
           <a:xfrm>
-            <a:off x="1908360" y="4038840"/>
-            <a:ext cx="26999640" cy="3365280"/>
+            <a:off x="1540800" y="1717920"/>
+            <a:ext cx="27734400" cy="7189920"/>
           </a:xfrm>
           <a:prstGeom prst="rect">
             <a:avLst/>
@@ -1181,14 +1136,14 @@
             <a:noAutofit/>
           </a:bodyPr>
           <a:p>
-            <a:pPr indent="0">
+            <a:pPr indent="0" algn="ctr">
               <a:buNone/>
             </a:pPr>
-            <a:endParaRPr b="0" lang="en-US" sz="1800" spc="-1" strike="noStrike">
-              <a:solidFill>
-                <a:srgbClr val="000000"/>
-              </a:solidFill>
-              <a:latin typeface="Calibri"/>
+            <a:endParaRPr b="0" lang="en-GB" sz="4400" spc="-1" strike="noStrike">
+              <a:solidFill>
+                <a:srgbClr val="000000"/>
+              </a:solidFill>
+              <a:latin typeface="Arial"/>
             </a:endParaRPr>
           </a:p>
         </p:txBody>
@@ -1227,8 +1182,8 @@
         </p:nvSpPr>
         <p:spPr>
           <a:xfrm>
-            <a:off x="1908360" y="4038840"/>
-            <a:ext cx="26999640" cy="15600600"/>
+            <a:off x="1540800" y="1717920"/>
+            <a:ext cx="27734400" cy="33329520"/>
           </a:xfrm>
           <a:prstGeom prst="rect">
             <a:avLst/>
@@ -1287,8 +1242,8 @@
         </p:nvSpPr>
         <p:spPr>
           <a:xfrm>
-            <a:off x="1908360" y="4038840"/>
-            <a:ext cx="26999640" cy="3365280"/>
+            <a:off x="1540800" y="1717920"/>
+            <a:ext cx="27734400" cy="7189920"/>
           </a:xfrm>
           <a:prstGeom prst="rect">
             <a:avLst/>
@@ -1303,14 +1258,14 @@
             <a:noAutofit/>
           </a:bodyPr>
           <a:p>
-            <a:pPr indent="0">
+            <a:pPr indent="0" algn="ctr">
               <a:buNone/>
             </a:pPr>
-            <a:endParaRPr b="0" lang="en-US" sz="1800" spc="-1" strike="noStrike">
-              <a:solidFill>
-                <a:srgbClr val="000000"/>
-              </a:solidFill>
-              <a:latin typeface="Calibri"/>
+            <a:endParaRPr b="0" lang="en-GB" sz="4400" spc="-1" strike="noStrike">
+              <a:solidFill>
+                <a:srgbClr val="000000"/>
+              </a:solidFill>
+              <a:latin typeface="Arial"/>
             </a:endParaRPr>
           </a:p>
         </p:txBody>
@@ -1327,8 +1282,8 @@
         </p:nvSpPr>
         <p:spPr>
           <a:xfrm>
-            <a:off x="1908360" y="7404120"/>
-            <a:ext cx="12970440" cy="599400"/>
+            <a:off x="1540800" y="10074960"/>
+            <a:ext cx="13534200" cy="11911680"/>
           </a:xfrm>
           <a:prstGeom prst="rect">
             <a:avLst/>
@@ -1344,19 +1299,16 @@
           </a:bodyPr>
           <a:p>
             <a:pPr indent="0">
-              <a:lnSpc>
-                <a:spcPct val="90000"/>
-              </a:lnSpc>
               <a:spcBef>
                 <a:spcPts val="1417"/>
               </a:spcBef>
               <a:buNone/>
             </a:pPr>
-            <a:endParaRPr b="0" lang="en-US" sz="4000" spc="-1" strike="noStrike">
-              <a:solidFill>
-                <a:srgbClr val="000000"/>
-              </a:solidFill>
-              <a:latin typeface="Segoe UI"/>
+            <a:endParaRPr b="0" lang="en-GB" sz="3200" spc="-1" strike="noStrike">
+              <a:solidFill>
+                <a:srgbClr val="000000"/>
+              </a:solidFill>
+              <a:latin typeface="Arial"/>
             </a:endParaRPr>
           </a:p>
         </p:txBody>
@@ -1373,8 +1325,8 @@
         </p:nvSpPr>
         <p:spPr>
           <a:xfrm>
-            <a:off x="15527880" y="7404120"/>
-            <a:ext cx="12970440" cy="1257120"/>
+            <a:off x="15752160" y="10074960"/>
+            <a:ext cx="13534200" cy="24972120"/>
           </a:xfrm>
           <a:prstGeom prst="rect">
             <a:avLst/>
@@ -1390,19 +1342,16 @@
           </a:bodyPr>
           <a:p>
             <a:pPr indent="0">
-              <a:lnSpc>
-                <a:spcPct val="90000"/>
-              </a:lnSpc>
               <a:spcBef>
                 <a:spcPts val="1417"/>
               </a:spcBef>
               <a:buNone/>
             </a:pPr>
-            <a:endParaRPr b="0" lang="en-US" sz="4000" spc="-1" strike="noStrike">
-              <a:solidFill>
-                <a:srgbClr val="000000"/>
-              </a:solidFill>
-              <a:latin typeface="Segoe UI"/>
+            <a:endParaRPr b="0" lang="en-GB" sz="3200" spc="-1" strike="noStrike">
+              <a:solidFill>
+                <a:srgbClr val="000000"/>
+              </a:solidFill>
+              <a:latin typeface="Arial"/>
             </a:endParaRPr>
           </a:p>
         </p:txBody>
@@ -1419,8 +1368,8 @@
         </p:nvSpPr>
         <p:spPr>
           <a:xfrm>
-            <a:off x="1908360" y="8060760"/>
-            <a:ext cx="12970440" cy="599400"/>
+            <a:off x="1540800" y="23118480"/>
+            <a:ext cx="13534200" cy="11911680"/>
           </a:xfrm>
           <a:prstGeom prst="rect">
             <a:avLst/>
@@ -1436,19 +1385,16 @@
           </a:bodyPr>
           <a:p>
             <a:pPr indent="0">
-              <a:lnSpc>
-                <a:spcPct val="90000"/>
-              </a:lnSpc>
               <a:spcBef>
                 <a:spcPts val="1417"/>
               </a:spcBef>
               <a:buNone/>
             </a:pPr>
-            <a:endParaRPr b="0" lang="en-US" sz="4000" spc="-1" strike="noStrike">
-              <a:solidFill>
-                <a:srgbClr val="000000"/>
-              </a:solidFill>
-              <a:latin typeface="Segoe UI"/>
+            <a:endParaRPr b="0" lang="en-GB" sz="3200" spc="-1" strike="noStrike">
+              <a:solidFill>
+                <a:srgbClr val="000000"/>
+              </a:solidFill>
+              <a:latin typeface="Arial"/>
             </a:endParaRPr>
           </a:p>
         </p:txBody>
@@ -1487,8 +1433,8 @@
         </p:nvSpPr>
         <p:spPr>
           <a:xfrm>
-            <a:off x="1908360" y="4038840"/>
-            <a:ext cx="26999640" cy="3365280"/>
+            <a:off x="1540800" y="1717920"/>
+            <a:ext cx="27734400" cy="7189920"/>
           </a:xfrm>
           <a:prstGeom prst="rect">
             <a:avLst/>
@@ -1503,14 +1449,14 @@
             <a:noAutofit/>
           </a:bodyPr>
           <a:p>
-            <a:pPr indent="0">
+            <a:pPr indent="0" algn="ctr">
               <a:buNone/>
             </a:pPr>
-            <a:endParaRPr b="0" lang="en-US" sz="1800" spc="-1" strike="noStrike">
-              <a:solidFill>
-                <a:srgbClr val="000000"/>
-              </a:solidFill>
-              <a:latin typeface="Calibri"/>
+            <a:endParaRPr b="0" lang="en-GB" sz="4400" spc="-1" strike="noStrike">
+              <a:solidFill>
+                <a:srgbClr val="000000"/>
+              </a:solidFill>
+              <a:latin typeface="Arial"/>
             </a:endParaRPr>
           </a:p>
         </p:txBody>
@@ -1527,8 +1473,8 @@
         </p:nvSpPr>
         <p:spPr>
           <a:xfrm>
-            <a:off x="1908360" y="7404120"/>
-            <a:ext cx="12970440" cy="1257120"/>
+            <a:off x="1540800" y="10074960"/>
+            <a:ext cx="13534200" cy="24972120"/>
           </a:xfrm>
           <a:prstGeom prst="rect">
             <a:avLst/>
@@ -1544,19 +1490,16 @@
           </a:bodyPr>
           <a:p>
             <a:pPr indent="0">
-              <a:lnSpc>
-                <a:spcPct val="90000"/>
-              </a:lnSpc>
               <a:spcBef>
                 <a:spcPts val="1417"/>
               </a:spcBef>
               <a:buNone/>
             </a:pPr>
-            <a:endParaRPr b="0" lang="en-US" sz="4000" spc="-1" strike="noStrike">
-              <a:solidFill>
-                <a:srgbClr val="000000"/>
-              </a:solidFill>
-              <a:latin typeface="Segoe UI"/>
+            <a:endParaRPr b="0" lang="en-GB" sz="3200" spc="-1" strike="noStrike">
+              <a:solidFill>
+                <a:srgbClr val="000000"/>
+              </a:solidFill>
+              <a:latin typeface="Arial"/>
             </a:endParaRPr>
           </a:p>
         </p:txBody>
@@ -1573,8 +1516,8 @@
         </p:nvSpPr>
         <p:spPr>
           <a:xfrm>
-            <a:off x="15527880" y="7404120"/>
-            <a:ext cx="12970440" cy="599400"/>
+            <a:off x="15752160" y="10074960"/>
+            <a:ext cx="13534200" cy="11911680"/>
           </a:xfrm>
           <a:prstGeom prst="rect">
             <a:avLst/>
@@ -1590,19 +1533,16 @@
           </a:bodyPr>
           <a:p>
             <a:pPr indent="0">
-              <a:lnSpc>
-                <a:spcPct val="90000"/>
-              </a:lnSpc>
               <a:spcBef>
                 <a:spcPts val="1417"/>
               </a:spcBef>
               <a:buNone/>
             </a:pPr>
-            <a:endParaRPr b="0" lang="en-US" sz="4000" spc="-1" strike="noStrike">
-              <a:solidFill>
-                <a:srgbClr val="000000"/>
-              </a:solidFill>
-              <a:latin typeface="Segoe UI"/>
+            <a:endParaRPr b="0" lang="en-GB" sz="3200" spc="-1" strike="noStrike">
+              <a:solidFill>
+                <a:srgbClr val="000000"/>
+              </a:solidFill>
+              <a:latin typeface="Arial"/>
             </a:endParaRPr>
           </a:p>
         </p:txBody>
@@ -1619,8 +1559,8 @@
         </p:nvSpPr>
         <p:spPr>
           <a:xfrm>
-            <a:off x="15527880" y="8060760"/>
-            <a:ext cx="12970440" cy="599400"/>
+            <a:off x="15752160" y="23118480"/>
+            <a:ext cx="13534200" cy="11911680"/>
           </a:xfrm>
           <a:prstGeom prst="rect">
             <a:avLst/>
@@ -1636,19 +1576,16 @@
           </a:bodyPr>
           <a:p>
             <a:pPr indent="0">
-              <a:lnSpc>
-                <a:spcPct val="90000"/>
-              </a:lnSpc>
               <a:spcBef>
                 <a:spcPts val="1417"/>
               </a:spcBef>
               <a:buNone/>
             </a:pPr>
-            <a:endParaRPr b="0" lang="en-US" sz="4000" spc="-1" strike="noStrike">
-              <a:solidFill>
-                <a:srgbClr val="000000"/>
-              </a:solidFill>
-              <a:latin typeface="Segoe UI"/>
+            <a:endParaRPr b="0" lang="en-GB" sz="3200" spc="-1" strike="noStrike">
+              <a:solidFill>
+                <a:srgbClr val="000000"/>
+              </a:solidFill>
+              <a:latin typeface="Arial"/>
             </a:endParaRPr>
           </a:p>
         </p:txBody>
@@ -1687,8 +1624,8 @@
         </p:nvSpPr>
         <p:spPr>
           <a:xfrm>
-            <a:off x="1908360" y="4038840"/>
-            <a:ext cx="26999640" cy="3365280"/>
+            <a:off x="1540800" y="1717920"/>
+            <a:ext cx="27734400" cy="7189920"/>
           </a:xfrm>
           <a:prstGeom prst="rect">
             <a:avLst/>
@@ -1703,14 +1640,14 @@
             <a:noAutofit/>
           </a:bodyPr>
           <a:p>
-            <a:pPr indent="0">
+            <a:pPr indent="0" algn="ctr">
               <a:buNone/>
             </a:pPr>
-            <a:endParaRPr b="0" lang="en-US" sz="1800" spc="-1" strike="noStrike">
-              <a:solidFill>
-                <a:srgbClr val="000000"/>
-              </a:solidFill>
-              <a:latin typeface="Calibri"/>
+            <a:endParaRPr b="0" lang="en-GB" sz="4400" spc="-1" strike="noStrike">
+              <a:solidFill>
+                <a:srgbClr val="000000"/>
+              </a:solidFill>
+              <a:latin typeface="Arial"/>
             </a:endParaRPr>
           </a:p>
         </p:txBody>
@@ -1727,8 +1664,8 @@
         </p:nvSpPr>
         <p:spPr>
           <a:xfrm>
-            <a:off x="1908360" y="7404120"/>
-            <a:ext cx="12970440" cy="599400"/>
+            <a:off x="1540800" y="10074960"/>
+            <a:ext cx="13534200" cy="11911680"/>
           </a:xfrm>
           <a:prstGeom prst="rect">
             <a:avLst/>
@@ -1744,19 +1681,16 @@
           </a:bodyPr>
           <a:p>
             <a:pPr indent="0">
-              <a:lnSpc>
-                <a:spcPct val="90000"/>
-              </a:lnSpc>
               <a:spcBef>
                 <a:spcPts val="1417"/>
               </a:spcBef>
               <a:buNone/>
             </a:pPr>
-            <a:endParaRPr b="0" lang="en-US" sz="4000" spc="-1" strike="noStrike">
-              <a:solidFill>
-                <a:srgbClr val="000000"/>
-              </a:solidFill>
-              <a:latin typeface="Segoe UI"/>
+            <a:endParaRPr b="0" lang="en-GB" sz="3200" spc="-1" strike="noStrike">
+              <a:solidFill>
+                <a:srgbClr val="000000"/>
+              </a:solidFill>
+              <a:latin typeface="Arial"/>
             </a:endParaRPr>
           </a:p>
         </p:txBody>
@@ -1773,8 +1707,8 @@
         </p:nvSpPr>
         <p:spPr>
           <a:xfrm>
-            <a:off x="15527880" y="7404120"/>
-            <a:ext cx="12970440" cy="599400"/>
+            <a:off x="15752160" y="10074960"/>
+            <a:ext cx="13534200" cy="11911680"/>
           </a:xfrm>
           <a:prstGeom prst="rect">
             <a:avLst/>
@@ -1790,19 +1724,16 @@
           </a:bodyPr>
           <a:p>
             <a:pPr indent="0">
-              <a:lnSpc>
-                <a:spcPct val="90000"/>
-              </a:lnSpc>
               <a:spcBef>
                 <a:spcPts val="1417"/>
               </a:spcBef>
               <a:buNone/>
             </a:pPr>
-            <a:endParaRPr b="0" lang="en-US" sz="4000" spc="-1" strike="noStrike">
-              <a:solidFill>
-                <a:srgbClr val="000000"/>
-              </a:solidFill>
-              <a:latin typeface="Segoe UI"/>
+            <a:endParaRPr b="0" lang="en-GB" sz="3200" spc="-1" strike="noStrike">
+              <a:solidFill>
+                <a:srgbClr val="000000"/>
+              </a:solidFill>
+              <a:latin typeface="Arial"/>
             </a:endParaRPr>
           </a:p>
         </p:txBody>
@@ -1819,8 +1750,8 @@
         </p:nvSpPr>
         <p:spPr>
           <a:xfrm>
-            <a:off x="1908360" y="8060760"/>
-            <a:ext cx="26578800" cy="599400"/>
+            <a:off x="1540800" y="23118480"/>
+            <a:ext cx="27734400" cy="11911680"/>
           </a:xfrm>
           <a:prstGeom prst="rect">
             <a:avLst/>
@@ -1836,19 +1767,16 @@
           </a:bodyPr>
           <a:p>
             <a:pPr indent="0">
-              <a:lnSpc>
-                <a:spcPct val="90000"/>
-              </a:lnSpc>
               <a:spcBef>
                 <a:spcPts val="1417"/>
               </a:spcBef>
               <a:buNone/>
             </a:pPr>
-            <a:endParaRPr b="0" lang="en-US" sz="4000" spc="-1" strike="noStrike">
-              <a:solidFill>
-                <a:srgbClr val="000000"/>
-              </a:solidFill>
-              <a:latin typeface="Segoe UI"/>
+            <a:endParaRPr b="0" lang="en-GB" sz="3200" spc="-1" strike="noStrike">
+              <a:solidFill>
+                <a:srgbClr val="000000"/>
+              </a:solidFill>
+              <a:latin typeface="Arial"/>
             </a:endParaRPr>
           </a:p>
         </p:txBody>
@@ -1895,7 +1823,7 @@
         <p:spPr>
           <a:xfrm>
             <a:off x="22031280" y="1598760"/>
-            <a:ext cx="7175160" cy="2159640"/>
+            <a:ext cx="7174800" cy="2159280"/>
           </a:xfrm>
           <a:prstGeom prst="rect">
             <a:avLst/>
@@ -1912,106 +1840,278 @@
             <a:spLocks noGrp="1"/>
           </p:cNvSpPr>
           <p:nvPr>
-            <p:ph type="body"/>
-          </p:nvPr>
-        </p:nvSpPr>
-        <p:spPr>
-          <a:xfrm>
-            <a:off x="1908360" y="7404120"/>
-            <a:ext cx="26578800" cy="1257120"/>
-          </a:xfrm>
-          <a:prstGeom prst="rect">
-            <a:avLst/>
-          </a:prstGeom>
-          <a:noFill/>
-          <a:ln w="0">
-            <a:noFill/>
-          </a:ln>
-        </p:spPr>
-        <p:txBody>
-          <a:bodyPr anchor="t">
-            <a:normAutofit/>
-          </a:bodyPr>
-          <a:p>
-            <a:pPr indent="0">
-              <a:lnSpc>
-                <a:spcPct val="90000"/>
-              </a:lnSpc>
-              <a:spcBef>
-                <a:spcPts val="3370"/>
-              </a:spcBef>
+            <p:ph type="title"/>
+          </p:nvPr>
+        </p:nvSpPr>
+        <p:spPr>
+          <a:xfrm>
+            <a:off x="1540800" y="1717920"/>
+            <a:ext cx="27734400" cy="7189920"/>
+          </a:xfrm>
+          <a:prstGeom prst="rect">
+            <a:avLst/>
+          </a:prstGeom>
+          <a:noFill/>
+          <a:ln w="0">
+            <a:noFill/>
+          </a:ln>
+        </p:spPr>
+        <p:txBody>
+          <a:bodyPr lIns="0" rIns="0" tIns="0" bIns="0" anchor="ctr">
+            <a:noAutofit/>
+          </a:bodyPr>
+          <a:p>
+            <a:pPr indent="0" algn="ctr">
               <a:buNone/>
-              <a:tabLst>
-                <a:tab algn="l" pos="0"/>
-              </a:tabLst>
             </a:pPr>
             <a:r>
-              <a:rPr b="0" lang="en-US" sz="4000" spc="-1" strike="noStrike">
+              <a:rPr b="0" lang="en-GB" sz="4400" spc="-1" strike="noStrike">
                 <a:solidFill>
                   <a:srgbClr val="000000"/>
                 </a:solidFill>
-                <a:latin typeface="Segoe UI"/>
+                <a:latin typeface="Arial"/>
               </a:rPr>
-              <a:t>Subtitel</a:t>
+              <a:t>Click to edit the title text </a:t>
             </a:r>
-            <a:endParaRPr b="0" lang="en-US" sz="4000" spc="-1" strike="noStrike">
-              <a:solidFill>
-                <a:srgbClr val="000000"/>
-              </a:solidFill>
-              <a:latin typeface="Segoe UI"/>
-            </a:endParaRPr>
-          </a:p>
-        </p:txBody>
-      </p:sp>
-      <p:sp>
-        <p:nvSpPr>
-          <p:cNvPr id="2" name="PlaceHolder 2"/>
-          <p:cNvSpPr>
-            <a:spLocks noGrp="1"/>
-          </p:cNvSpPr>
-          <p:nvPr>
-            <p:ph type="title"/>
-          </p:nvPr>
-        </p:nvSpPr>
-        <p:spPr>
-          <a:xfrm>
-            <a:off x="1908360" y="4038840"/>
-            <a:ext cx="26999640" cy="3365280"/>
-          </a:xfrm>
-          <a:prstGeom prst="rect">
-            <a:avLst/>
-          </a:prstGeom>
-          <a:noFill/>
-          <a:ln w="0">
-            <a:noFill/>
-          </a:ln>
-        </p:spPr>
-        <p:txBody>
-          <a:bodyPr anchor="t">
-            <a:normAutofit/>
-          </a:bodyPr>
-          <a:p>
-            <a:pPr indent="0">
-              <a:lnSpc>
-                <a:spcPct val="90000"/>
-              </a:lnSpc>
-              <a:buNone/>
-            </a:pPr>
             <a:r>
-              <a:rPr b="0" lang="nl-NL" sz="9600" spc="-1" strike="noStrike">
+              <a:rPr b="0" lang="en-GB" sz="4400" spc="-1" strike="noStrike">
                 <a:solidFill>
                   <a:srgbClr val="000000"/>
                 </a:solidFill>
-                <a:latin typeface="Segoe UI Black"/>
-                <a:ea typeface="Segoe UI Black"/>
+                <a:latin typeface="Arial"/>
               </a:rPr>
-              <a:t>Klik om stijl te bewerken</a:t>
+              <a:t>format</a:t>
             </a:r>
-            <a:endParaRPr b="0" lang="en-US" sz="9600" spc="-1" strike="noStrike">
-              <a:solidFill>
-                <a:srgbClr val="000000"/>
-              </a:solidFill>
-              <a:latin typeface="Calibri"/>
+            <a:endParaRPr b="0" lang="en-GB" sz="4400" spc="-1" strike="noStrike">
+              <a:solidFill>
+                <a:srgbClr val="000000"/>
+              </a:solidFill>
+              <a:latin typeface="Arial"/>
+            </a:endParaRPr>
+          </a:p>
+        </p:txBody>
+      </p:sp>
+      <p:sp>
+        <p:nvSpPr>
+          <p:cNvPr id="2" name="PlaceHolder 2"/>
+          <p:cNvSpPr>
+            <a:spLocks noGrp="1"/>
+          </p:cNvSpPr>
+          <p:nvPr>
+            <p:ph type="body"/>
+          </p:nvPr>
+        </p:nvSpPr>
+        <p:spPr>
+          <a:xfrm>
+            <a:off x="1540800" y="10074960"/>
+            <a:ext cx="27734400" cy="24972120"/>
+          </a:xfrm>
+          <a:prstGeom prst="rect">
+            <a:avLst/>
+          </a:prstGeom>
+          <a:noFill/>
+          <a:ln w="0">
+            <a:noFill/>
+          </a:ln>
+        </p:spPr>
+        <p:txBody>
+          <a:bodyPr lIns="0" rIns="0" tIns="0" bIns="0" anchor="t">
+            <a:normAutofit/>
+          </a:bodyPr>
+          <a:p>
+            <a:pPr marL="432000" indent="-324000">
+              <a:spcBef>
+                <a:spcPts val="1417"/>
+              </a:spcBef>
+              <a:buClr>
+                <a:srgbClr val="000000"/>
+              </a:buClr>
+              <a:buSzPct val="45000"/>
+              <a:buFont typeface="Wingdings" charset="2"/>
+              <a:buChar char=""/>
+            </a:pPr>
+            <a:r>
+              <a:rPr b="0" lang="en-GB" sz="3200" spc="-1" strike="noStrike">
+                <a:solidFill>
+                  <a:srgbClr val="000000"/>
+                </a:solidFill>
+                <a:latin typeface="Arial"/>
+              </a:rPr>
+              <a:t>Click to edit the outline text format</a:t>
+            </a:r>
+            <a:endParaRPr b="0" lang="en-GB" sz="3200" spc="-1" strike="noStrike">
+              <a:solidFill>
+                <a:srgbClr val="000000"/>
+              </a:solidFill>
+              <a:latin typeface="Arial"/>
+            </a:endParaRPr>
+          </a:p>
+          <a:p>
+            <a:pPr lvl="1" marL="864000" indent="-324000">
+              <a:spcBef>
+                <a:spcPts val="1134"/>
+              </a:spcBef>
+              <a:buClr>
+                <a:srgbClr val="000000"/>
+              </a:buClr>
+              <a:buSzPct val="75000"/>
+              <a:buFont typeface="Symbol" charset="2"/>
+              <a:buChar char=""/>
+            </a:pPr>
+            <a:r>
+              <a:rPr b="0" lang="en-GB" sz="2800" spc="-1" strike="noStrike">
+                <a:solidFill>
+                  <a:srgbClr val="000000"/>
+                </a:solidFill>
+                <a:latin typeface="Arial"/>
+              </a:rPr>
+              <a:t>Second Outline Level</a:t>
+            </a:r>
+            <a:endParaRPr b="0" lang="en-GB" sz="2800" spc="-1" strike="noStrike">
+              <a:solidFill>
+                <a:srgbClr val="000000"/>
+              </a:solidFill>
+              <a:latin typeface="Arial"/>
+            </a:endParaRPr>
+          </a:p>
+          <a:p>
+            <a:pPr lvl="2" marL="1296000" indent="-288000">
+              <a:spcBef>
+                <a:spcPts val="850"/>
+              </a:spcBef>
+              <a:buClr>
+                <a:srgbClr val="000000"/>
+              </a:buClr>
+              <a:buSzPct val="45000"/>
+              <a:buFont typeface="Wingdings" charset="2"/>
+              <a:buChar char=""/>
+            </a:pPr>
+            <a:r>
+              <a:rPr b="0" lang="en-GB" sz="2400" spc="-1" strike="noStrike">
+                <a:solidFill>
+                  <a:srgbClr val="000000"/>
+                </a:solidFill>
+                <a:latin typeface="Arial"/>
+              </a:rPr>
+              <a:t>Third Outline Level</a:t>
+            </a:r>
+            <a:endParaRPr b="0" lang="en-GB" sz="2400" spc="-1" strike="noStrike">
+              <a:solidFill>
+                <a:srgbClr val="000000"/>
+              </a:solidFill>
+              <a:latin typeface="Arial"/>
+            </a:endParaRPr>
+          </a:p>
+          <a:p>
+            <a:pPr lvl="3" marL="1728000" indent="-216000">
+              <a:spcBef>
+                <a:spcPts val="567"/>
+              </a:spcBef>
+              <a:buClr>
+                <a:srgbClr val="000000"/>
+              </a:buClr>
+              <a:buSzPct val="75000"/>
+              <a:buFont typeface="Symbol" charset="2"/>
+              <a:buChar char=""/>
+            </a:pPr>
+            <a:r>
+              <a:rPr b="0" lang="en-GB" sz="2000" spc="-1" strike="noStrike">
+                <a:solidFill>
+                  <a:srgbClr val="000000"/>
+                </a:solidFill>
+                <a:latin typeface="Arial"/>
+              </a:rPr>
+              <a:t>Fourth Outline Level</a:t>
+            </a:r>
+            <a:endParaRPr b="0" lang="en-GB" sz="2000" spc="-1" strike="noStrike">
+              <a:solidFill>
+                <a:srgbClr val="000000"/>
+              </a:solidFill>
+              <a:latin typeface="Arial"/>
+            </a:endParaRPr>
+          </a:p>
+          <a:p>
+            <a:pPr lvl="4" marL="2160000" indent="-216000">
+              <a:spcBef>
+                <a:spcPts val="283"/>
+              </a:spcBef>
+              <a:buClr>
+                <a:srgbClr val="000000"/>
+              </a:buClr>
+              <a:buSzPct val="45000"/>
+              <a:buFont typeface="Wingdings" charset="2"/>
+              <a:buChar char=""/>
+            </a:pPr>
+            <a:r>
+              <a:rPr b="0" lang="en-GB" sz="2000" spc="-1" strike="noStrike">
+                <a:solidFill>
+                  <a:srgbClr val="000000"/>
+                </a:solidFill>
+                <a:latin typeface="Arial"/>
+              </a:rPr>
+              <a:t>Fifth Outline Level</a:t>
+            </a:r>
+            <a:endParaRPr b="0" lang="en-GB" sz="2000" spc="-1" strike="noStrike">
+              <a:solidFill>
+                <a:srgbClr val="000000"/>
+              </a:solidFill>
+              <a:latin typeface="Arial"/>
+            </a:endParaRPr>
+          </a:p>
+          <a:p>
+            <a:pPr lvl="5" marL="2592000" indent="-216000">
+              <a:spcBef>
+                <a:spcPts val="283"/>
+              </a:spcBef>
+              <a:buClr>
+                <a:srgbClr val="000000"/>
+              </a:buClr>
+              <a:buSzPct val="45000"/>
+              <a:buFont typeface="Wingdings" charset="2"/>
+              <a:buChar char=""/>
+            </a:pPr>
+            <a:r>
+              <a:rPr b="0" lang="en-GB" sz="2000" spc="-1" strike="noStrike">
+                <a:solidFill>
+                  <a:srgbClr val="000000"/>
+                </a:solidFill>
+                <a:latin typeface="Arial"/>
+              </a:rPr>
+              <a:t>Sixth Outline Level</a:t>
+            </a:r>
+            <a:endParaRPr b="0" lang="en-GB" sz="2000" spc="-1" strike="noStrike">
+              <a:solidFill>
+                <a:srgbClr val="000000"/>
+              </a:solidFill>
+              <a:latin typeface="Arial"/>
+            </a:endParaRPr>
+          </a:p>
+          <a:p>
+            <a:pPr lvl="6" marL="3024000" indent="-216000">
+              <a:spcBef>
+                <a:spcPts val="283"/>
+              </a:spcBef>
+              <a:buClr>
+                <a:srgbClr val="000000"/>
+              </a:buClr>
+              <a:buSzPct val="45000"/>
+              <a:buFont typeface="Wingdings" charset="2"/>
+              <a:buChar char=""/>
+            </a:pPr>
+            <a:r>
+              <a:rPr b="0" lang="en-GB" sz="2000" spc="-1" strike="noStrike">
+                <a:solidFill>
+                  <a:srgbClr val="000000"/>
+                </a:solidFill>
+                <a:latin typeface="Arial"/>
+              </a:rPr>
+              <a:t>Seventh Outline Level</a:t>
+            </a:r>
+            <a:endParaRPr b="0" lang="en-GB" sz="2000" spc="-1" strike="noStrike">
+              <a:solidFill>
+                <a:srgbClr val="000000"/>
+              </a:solidFill>
+              <a:latin typeface="Arial"/>
             </a:endParaRPr>
           </a:p>
         </p:txBody>
@@ -2062,7 +2162,7 @@
         <p:spPr>
           <a:xfrm>
             <a:off x="0" y="0"/>
-            <a:ext cx="14423400" cy="43055640"/>
+            <a:ext cx="14423040" cy="43055280"/>
           </a:xfrm>
           <a:prstGeom prst="rect">
             <a:avLst/>
@@ -2107,6 +2207,7 @@
                   <a:srgbClr val="d3d0bb"/>
                 </a:solidFill>
                 <a:latin typeface="Calibri"/>
+                <a:ea typeface="DejaVu Sans"/>
               </a:rPr>
               <a:t>P</a:t>
             </a:r>
@@ -2132,18 +2233,18 @@
         <p:spPr>
           <a:xfrm>
             <a:off x="2100960" y="6930360"/>
-            <a:ext cx="10568880" cy="15257520"/>
-          </a:xfrm>
-          <a:prstGeom prst="rect">
-            <a:avLst/>
-          </a:prstGeom>
-          <a:noFill/>
-          <a:ln w="0">
-            <a:noFill/>
-          </a:ln>
-        </p:spPr>
-        <p:txBody>
-          <a:bodyPr anchor="t">
+            <a:ext cx="10568520" cy="15257160"/>
+          </a:xfrm>
+          <a:prstGeom prst="rect">
+            <a:avLst/>
+          </a:prstGeom>
+          <a:noFill/>
+          <a:ln w="0">
+            <a:noFill/>
+          </a:ln>
+        </p:spPr>
+        <p:txBody>
+          <a:bodyPr lIns="90000" rIns="90000" tIns="45000" bIns="45000" anchor="t">
             <a:normAutofit/>
           </a:bodyPr>
           <a:p>
@@ -2152,6 +2253,9 @@
                 <a:spcPct val="100000"/>
               </a:lnSpc>
               <a:buNone/>
+              <a:tabLst>
+                <a:tab algn="l" pos="0"/>
+              </a:tabLst>
             </a:pPr>
             <a:r>
               <a:rPr b="0" lang="nl-BE" sz="9600" spc="-1" strike="noStrike">
@@ -2196,13 +2300,45 @@
                 <a:latin typeface="Segoe UI Black"/>
                 <a:ea typeface="Segoe UI Black"/>
               </a:rPr>
-              <a:t>Omschrijving van de casus en jullie uitwerking, gebruikte leerstof en componenten.</a:t>
+              <a:t>-Het maken van een home battery op 48V.</a:t>
             </a:r>
-            <a:endParaRPr b="0" lang="en-US" sz="3000" spc="-1" strike="noStrike">
-              <a:solidFill>
-                <a:srgbClr val="000000"/>
-              </a:solidFill>
-              <a:latin typeface="Calibri"/>
+            <a:br>
+              <a:rPr sz="3000"/>
+            </a:br>
+            <a:r>
+              <a:rPr b="0" lang="nl-BE" sz="3000" spc="-1" strike="noStrike">
+                <a:solidFill>
+                  <a:schemeClr val="accent6">
+                    <a:lumMod val="60000"/>
+                    <a:lumOff val="40000"/>
+                  </a:schemeClr>
+                </a:solidFill>
+                <a:latin typeface="Segoe UI Black"/>
+                <a:ea typeface="Segoe UI Black"/>
+              </a:rPr>
+              <a:t>-Brandveilige opslag ontwerpen.</a:t>
+            </a:r>
+            <a:br>
+              <a:rPr sz="3000"/>
+            </a:br>
+            <a:r>
+              <a:rPr b="0" lang="nl-BE" sz="3000" spc="-1" strike="noStrike">
+                <a:solidFill>
+                  <a:schemeClr val="accent6">
+                    <a:lumMod val="60000"/>
+                    <a:lumOff val="40000"/>
+                  </a:schemeClr>
+                </a:solidFill>
+                <a:latin typeface="Segoe UI Black"/>
+                <a:ea typeface="Segoe UI Black"/>
+              </a:rPr>
+              <a:t>-Monitoring data weergeven.</a:t>
+            </a:r>
+            <a:endParaRPr b="0" lang="en-GB" sz="3000" spc="-1" strike="noStrike">
+              <a:solidFill>
+                <a:srgbClr val="000000"/>
+              </a:solidFill>
+              <a:latin typeface="Arial"/>
             </a:endParaRPr>
           </a:p>
         </p:txBody>
@@ -2216,15 +2352,15 @@
         <p:spPr>
           <a:xfrm>
             <a:off x="0" y="26600400"/>
-            <a:ext cx="3745800" cy="3096720"/>
+            <a:ext cx="3745440" cy="3096360"/>
           </a:xfrm>
           <a:custGeom>
             <a:avLst/>
             <a:gdLst>
-              <a:gd name="textAreaLeft" fmla="*/ 0 w 3745800"/>
-              <a:gd name="textAreaRight" fmla="*/ 3746160 w 3745800"/>
-              <a:gd name="textAreaTop" fmla="*/ 0 h 3096720"/>
-              <a:gd name="textAreaBottom" fmla="*/ 3097080 h 3096720"/>
+              <a:gd name="textAreaLeft" fmla="*/ 0 w 3745440"/>
+              <a:gd name="textAreaRight" fmla="*/ 3746160 w 3745440"/>
+              <a:gd name="textAreaTop" fmla="*/ 0 h 3096360"/>
+              <a:gd name="textAreaBottom" fmla="*/ 3097080 h 3096360"/>
             </a:gdLst>
             <a:ahLst/>
             <a:rect l="textAreaLeft" t="textAreaTop" r="textAreaRight" b="textAreaBottom"/>
@@ -2294,6 +2430,7 @@
                 <a:schemeClr val="lt1"/>
               </a:solidFill>
               <a:latin typeface="Calibri"/>
+              <a:ea typeface="DejaVu Sans"/>
             </a:endParaRPr>
           </a:p>
         </p:txBody>
@@ -2339,6 +2476,7 @@
                   <a:srgbClr val="e00020"/>
                 </a:solidFill>
                 <a:latin typeface="Calibri"/>
+                <a:ea typeface="DejaVu Sans"/>
               </a:rPr>
               <a:t>Professionele bachelor</a:t>
             </a:r>
@@ -2361,6 +2499,7 @@
                   <a:srgbClr val="e00020"/>
                 </a:solidFill>
                 <a:latin typeface="Calibri"/>
+                <a:ea typeface="DejaVu Sans"/>
               </a:rPr>
               <a:t>Elektronica-ICT</a:t>
             </a:r>
@@ -2414,6 +2553,7 @@
                   <a:srgbClr val="e00020"/>
                 </a:solidFill>
                 <a:latin typeface="Calibri"/>
+                <a:ea typeface="DejaVu Sans"/>
               </a:rPr>
               <a:t>Team </a:t>
             </a:r>
@@ -2441,6 +2581,7 @@
                   <a:srgbClr val="000000"/>
                 </a:solidFill>
                 <a:latin typeface="Calibri"/>
+                <a:ea typeface="DejaVu Sans"/>
               </a:rPr>
               <a:t>Student 1, jaar en richting</a:t>
             </a:r>
@@ -2468,6 +2609,7 @@
                   <a:srgbClr val="000000"/>
                 </a:solidFill>
                 <a:latin typeface="Calibri"/>
+                <a:ea typeface="DejaVu Sans"/>
               </a:rPr>
               <a:t>Student 2 , jaar en richting</a:t>
             </a:r>
@@ -2495,6 +2637,7 @@
                   <a:srgbClr val="000000"/>
                 </a:solidFill>
                 <a:latin typeface="Calibri"/>
+                <a:ea typeface="DejaVu Sans"/>
               </a:rPr>
               <a:t>Student 3 , jaar en richting</a:t>
             </a:r>
@@ -2522,6 +2665,7 @@
                   <a:srgbClr val="000000"/>
                 </a:solidFill>
                 <a:latin typeface="Calibri"/>
+                <a:ea typeface="DejaVu Sans"/>
               </a:rPr>
               <a:t>Student 4 , jaar en richting</a:t>
             </a:r>
@@ -2549,6 +2693,7 @@
                   <a:srgbClr val="000000"/>
                 </a:solidFill>
                 <a:latin typeface="Calibri"/>
+                <a:ea typeface="DejaVu Sans"/>
               </a:rPr>
               <a:t>Student 5 , jaar en richting</a:t>
             </a:r>
@@ -2574,7 +2719,7 @@
         <p:spPr>
           <a:xfrm>
             <a:off x="25868520" y="38340000"/>
-            <a:ext cx="3945600" cy="3974040"/>
+            <a:ext cx="3945240" cy="3973680"/>
           </a:xfrm>
           <a:prstGeom prst="rect">
             <a:avLst/>
@@ -2586,14 +2731,14 @@
       </p:pic>
       <p:sp>
         <p:nvSpPr>
-          <p:cNvPr id="45" name="Rechthoek 44"/>
+          <p:cNvPr id="45" name="Rechthoek 45"/>
           <p:cNvSpPr/>
           <p:nvPr/>
         </p:nvSpPr>
         <p:spPr>
           <a:xfrm>
-            <a:off x="15408360" y="26469360"/>
-            <a:ext cx="6729480" cy="10824840"/>
+            <a:off x="22762440" y="26469360"/>
+            <a:ext cx="6729120" cy="10824480"/>
           </a:xfrm>
           <a:prstGeom prst="rect">
             <a:avLst/>
@@ -2636,177 +2781,21 @@
                 <a:schemeClr val="lt1"/>
               </a:solidFill>
               <a:latin typeface="Calibri"/>
-            </a:endParaRPr>
-          </a:p>
-        </p:txBody>
-      </p:sp>
-      <p:sp>
-        <p:nvSpPr>
-          <p:cNvPr id="46" name="Rechthoek 45"/>
+              <a:ea typeface="DejaVu Sans"/>
+            </a:endParaRPr>
+          </a:p>
+        </p:txBody>
+      </p:sp>
+      <p:sp>
+        <p:nvSpPr>
+          <p:cNvPr id="46" name="Tekstvak 51"/>
           <p:cNvSpPr/>
           <p:nvPr/>
         </p:nvSpPr>
         <p:spPr>
           <a:xfrm>
-            <a:off x="22762440" y="26469360"/>
-            <a:ext cx="6729480" cy="10824840"/>
-          </a:xfrm>
-          <a:prstGeom prst="rect">
-            <a:avLst/>
-          </a:prstGeom>
-          <a:blipFill rotWithShape="0">
-            <a:blip r:embed="rId3"/>
-            <a:srcRect/>
-            <a:stretch/>
-          </a:blipFill>
-          <a:ln>
-            <a:noFill/>
-          </a:ln>
-        </p:spPr>
-        <p:style>
-          <a:lnRef idx="2">
-            <a:schemeClr val="accent1">
-              <a:shade val="15000"/>
-            </a:schemeClr>
-          </a:lnRef>
-          <a:fillRef idx="1">
-            <a:schemeClr val="accent1"/>
-          </a:fillRef>
-          <a:effectRef idx="0">
-            <a:schemeClr val="accent1"/>
-          </a:effectRef>
-          <a:fontRef idx="minor"/>
-        </p:style>
-        <p:txBody>
-          <a:bodyPr lIns="90000" rIns="90000" tIns="45000" bIns="45000" anchor="ctr">
-            <a:noAutofit/>
-          </a:bodyPr>
-          <a:p>
-            <a:pPr algn="ctr">
-              <a:lnSpc>
-                <a:spcPct val="100000"/>
-              </a:lnSpc>
-            </a:pPr>
-            <a:endParaRPr b="0" lang="nl-BE" sz="1800" spc="-1" strike="noStrike">
-              <a:solidFill>
-                <a:schemeClr val="lt1"/>
-              </a:solidFill>
-              <a:latin typeface="Calibri"/>
-            </a:endParaRPr>
-          </a:p>
-        </p:txBody>
-      </p:sp>
-      <p:sp>
-        <p:nvSpPr>
-          <p:cNvPr id="47" name="Vrije vorm: vorm 50"/>
-          <p:cNvSpPr/>
-          <p:nvPr/>
-        </p:nvSpPr>
-        <p:spPr>
-          <a:xfrm>
-            <a:off x="15408360" y="6930360"/>
-            <a:ext cx="14083560" cy="18954000"/>
-          </a:xfrm>
-          <a:custGeom>
-            <a:avLst/>
-            <a:gdLst>
-              <a:gd name="textAreaLeft" fmla="*/ 0 w 14083560"/>
-              <a:gd name="textAreaRight" fmla="*/ 14083920 w 14083560"/>
-              <a:gd name="textAreaTop" fmla="*/ 0 h 18954000"/>
-              <a:gd name="textAreaBottom" fmla="*/ 18954360 h 18954000"/>
-            </a:gdLst>
-            <a:ahLst/>
-            <a:rect l="textAreaLeft" t="textAreaTop" r="textAreaRight" b="textAreaBottom"/>
-            <a:pathLst>
-              <a:path w="7218948" h="8715612">
-                <a:moveTo>
-                  <a:pt x="3128184" y="0"/>
-                </a:moveTo>
-                <a:lnTo>
-                  <a:pt x="3320716" y="0"/>
-                </a:lnTo>
-                <a:lnTo>
-                  <a:pt x="4090760" y="0"/>
-                </a:lnTo>
-                <a:lnTo>
-                  <a:pt x="7218948" y="0"/>
-                </a:lnTo>
-                <a:lnTo>
-                  <a:pt x="7218948" y="3128187"/>
-                </a:lnTo>
-                <a:lnTo>
-                  <a:pt x="7218948" y="5038312"/>
-                </a:lnTo>
-                <a:lnTo>
-                  <a:pt x="7218948" y="8715612"/>
-                </a:lnTo>
-                <a:lnTo>
-                  <a:pt x="0" y="8715612"/>
-                </a:lnTo>
-                <a:lnTo>
-                  <a:pt x="0" y="3128187"/>
-                </a:lnTo>
-                <a:cubicBezTo>
-                  <a:pt x="0" y="1400537"/>
-                  <a:pt x="1400536" y="0"/>
-                  <a:pt x="3128184" y="0"/>
-                </a:cubicBezTo>
-                <a:close/>
-              </a:path>
-            </a:pathLst>
-          </a:custGeom>
-          <a:blipFill rotWithShape="0">
-            <a:blip r:embed="rId4"/>
-            <a:srcRect/>
-            <a:stretch/>
-          </a:blipFill>
-          <a:ln>
-            <a:noFill/>
-          </a:ln>
-        </p:spPr>
-        <p:style>
-          <a:lnRef idx="2">
-            <a:schemeClr val="accent1">
-              <a:shade val="15000"/>
-            </a:schemeClr>
-          </a:lnRef>
-          <a:fillRef idx="1">
-            <a:schemeClr val="accent1"/>
-          </a:fillRef>
-          <a:effectRef idx="0">
-            <a:schemeClr val="accent1"/>
-          </a:effectRef>
-          <a:fontRef idx="minor"/>
-        </p:style>
-        <p:txBody>
-          <a:bodyPr lIns="90000" rIns="90000" tIns="45000" bIns="45000" anchor="ctr">
-            <a:noAutofit/>
-          </a:bodyPr>
-          <a:p>
-            <a:pPr algn="ctr">
-              <a:lnSpc>
-                <a:spcPct val="100000"/>
-              </a:lnSpc>
-            </a:pPr>
-            <a:endParaRPr b="0" lang="nl-BE" sz="1800" spc="-1" strike="noStrike">
-              <a:solidFill>
-                <a:schemeClr val="lt1"/>
-              </a:solidFill>
-              <a:latin typeface="Calibri"/>
-            </a:endParaRPr>
-          </a:p>
-        </p:txBody>
-      </p:sp>
-      <p:sp>
-        <p:nvSpPr>
-          <p:cNvPr id="48" name="Tekstvak 51"/>
-          <p:cNvSpPr/>
-          <p:nvPr/>
-        </p:nvSpPr>
-        <p:spPr>
-          <a:xfrm>
             <a:off x="-18480600" y="8037000"/>
-            <a:ext cx="16511400" cy="18377640"/>
+            <a:ext cx="16511040" cy="18377640"/>
           </a:xfrm>
           <a:prstGeom prst="rect">
             <a:avLst/>
@@ -2838,6 +2827,7 @@
                   <a:srgbClr val="e00020"/>
                 </a:solidFill>
                 <a:latin typeface="Calibri"/>
+                <a:ea typeface="DejaVu Sans"/>
               </a:rPr>
               <a:t>Instructies:</a:t>
             </a:r>
@@ -2865,6 +2855,7 @@
                   <a:srgbClr val="79734e"/>
                 </a:solidFill>
                 <a:latin typeface="Calibri"/>
+                <a:ea typeface="DejaVu Sans"/>
               </a:rPr>
               <a:t>Pas de project titel aan en voeg een subtitel toe</a:t>
             </a:r>
@@ -2892,6 +2883,7 @@
                   <a:srgbClr val="79734e"/>
                 </a:solidFill>
                 <a:latin typeface="Calibri"/>
+                <a:ea typeface="DejaVu Sans"/>
               </a:rPr>
               <a:t>Schrijf eronder een korte omschrijving van de probleemstelling, jullie uitwerking, de gebruikte componenten en welke leerstof jullie nodig hadden.</a:t>
             </a:r>
@@ -2919,6 +2911,7 @@
                   <a:srgbClr val="79734e"/>
                 </a:solidFill>
                 <a:latin typeface="Calibri"/>
+                <a:ea typeface="DejaVu Sans"/>
               </a:rPr>
               <a:t>Betreft het een project in opdracht van een bedrijf, plaats dan hun logo in de linker boven hoek.</a:t>
             </a:r>
@@ -2946,6 +2939,7 @@
                   <a:srgbClr val="79734e"/>
                 </a:solidFill>
                 <a:latin typeface="Calibri"/>
+                <a:ea typeface="DejaVu Sans"/>
               </a:rPr>
               <a:t>Vervang de 3 foto’s door mooie foto’s van jullie product/prototype.</a:t>
             </a:r>
@@ -2973,6 +2967,7 @@
                   <a:srgbClr val="79734e"/>
                 </a:solidFill>
                 <a:latin typeface="Calibri"/>
+                <a:ea typeface="DejaVu Sans"/>
               </a:rPr>
               <a:t>Noteer jullie namen bij het team</a:t>
             </a:r>
@@ -3000,6 +2995,7 @@
                   <a:srgbClr val="79734e"/>
                 </a:solidFill>
                 <a:latin typeface="Calibri"/>
+                <a:ea typeface="DejaVu Sans"/>
               </a:rPr>
               <a:t>Indien een leerlijn niet werd gebruikt in jullie project, vervang het vinkje dan door een leeg vierkantje. Indien een leerlijn wel werd gebruikt vermeld er onder uit welke vakken je leerstof hebt toegepast.</a:t>
             </a:r>
@@ -3027,6 +3023,7 @@
                   <a:srgbClr val="79734e"/>
                 </a:solidFill>
                 <a:latin typeface="Calibri"/>
+                <a:ea typeface="DejaVu Sans"/>
               </a:rPr>
               <a:t>Vervang de QR code door eentje die verwijst naar jullie GitHub repository.</a:t>
             </a:r>
@@ -3041,14 +3038,14 @@
       </p:sp>
       <p:sp>
         <p:nvSpPr>
-          <p:cNvPr id="49" name="Tekstvak 1"/>
+          <p:cNvPr id="47" name="Tekstvak 1"/>
           <p:cNvSpPr/>
           <p:nvPr/>
         </p:nvSpPr>
         <p:spPr>
           <a:xfrm>
-            <a:off x="3203640" y="30450960"/>
-            <a:ext cx="8016120" cy="5027400"/>
+            <a:off x="3204000" y="30450960"/>
+            <a:ext cx="8014680" cy="3930840"/>
           </a:xfrm>
           <a:prstGeom prst="rect">
             <a:avLst/>
@@ -3222,50 +3219,6 @@
                 <a:latin typeface="Segoe UI Black"/>
                 <a:ea typeface="Segoe UI Black"/>
               </a:rPr>
-              <a:t>Artificial Intelligence</a:t>
-            </a:r>
-            <a:endParaRPr b="0" lang="en-GB" sz="3600" spc="-1" strike="noStrike">
-              <a:solidFill>
-                <a:srgbClr val="000000"/>
-              </a:solidFill>
-              <a:latin typeface="Arial"/>
-            </a:endParaRPr>
-          </a:p>
-          <a:p>
-            <a:pPr>
-              <a:lnSpc>
-                <a:spcPct val="100000"/>
-              </a:lnSpc>
-            </a:pPr>
-            <a:endParaRPr b="0" lang="en-GB" sz="3600" spc="-1" strike="noStrike">
-              <a:solidFill>
-                <a:srgbClr val="000000"/>
-              </a:solidFill>
-              <a:latin typeface="Arial"/>
-            </a:endParaRPr>
-          </a:p>
-          <a:p>
-            <a:pPr marL="457200" indent="-457200">
-              <a:lnSpc>
-                <a:spcPct val="100000"/>
-              </a:lnSpc>
-              <a:buClr>
-                <a:srgbClr val="979797"/>
-              </a:buClr>
-              <a:buFont typeface="Wingdings" charset="2"/>
-              <a:buChar char=""/>
-            </a:pPr>
-            <a:r>
-              <a:rPr b="0" lang="en-GB" sz="3600" spc="-1" strike="noStrike">
-                <a:solidFill>
-                  <a:schemeClr val="accent6">
-                    <a:lumMod val="60000"/>
-                    <a:lumOff val="40000"/>
-                  </a:schemeClr>
-                </a:solidFill>
-                <a:latin typeface="Segoe UI Black"/>
-                <a:ea typeface="Segoe UI Black"/>
-              </a:rPr>
               <a:t>Personal development</a:t>
             </a:r>
             <a:endParaRPr b="0" lang="en-GB" sz="3600" spc="-1" strike="noStrike">
@@ -3277,6 +3230,52 @@
           </a:p>
         </p:txBody>
       </p:sp>
+      <p:pic>
+        <p:nvPicPr>
+          <p:cNvPr id="48" name="" descr=""/>
+          <p:cNvPicPr/>
+          <p:nvPr/>
+        </p:nvPicPr>
+        <p:blipFill>
+          <a:blip r:embed="rId3"/>
+          <a:stretch/>
+        </p:blipFill>
+        <p:spPr>
+          <a:xfrm>
+            <a:off x="15408000" y="6930000"/>
+            <a:ext cx="14083200" cy="18954000"/>
+          </a:xfrm>
+          <a:prstGeom prst="rect">
+            <a:avLst/>
+          </a:prstGeom>
+          <a:ln w="0">
+            <a:noFill/>
+          </a:ln>
+        </p:spPr>
+      </p:pic>
+      <p:pic>
+        <p:nvPicPr>
+          <p:cNvPr id="49" name="" descr=""/>
+          <p:cNvPicPr/>
+          <p:nvPr/>
+        </p:nvPicPr>
+        <p:blipFill>
+          <a:blip r:embed="rId4"/>
+          <a:stretch/>
+        </p:blipFill>
+        <p:spPr>
+          <a:xfrm>
+            <a:off x="15408000" y="27180000"/>
+            <a:ext cx="6728400" cy="9561600"/>
+          </a:xfrm>
+          <a:prstGeom prst="rect">
+            <a:avLst/>
+          </a:prstGeom>
+          <a:ln w="0">
+            <a:noFill/>
+          </a:ln>
+        </p:spPr>
+      </p:pic>
     </p:spTree>
   </p:cSld>
   <mc:AlternateContent>
